--- a/Exoplanet simulator info.pptx
+++ b/Exoplanet simulator info.pptx
@@ -5,10 +5,10 @@
     <p:sldMasterId id="2147483684" r:id="rId4"/>
   </p:sldMasterIdLst>
   <p:notesMasterIdLst>
-    <p:notesMasterId r:id="rId11"/>
+    <p:notesMasterId r:id="rId10"/>
   </p:notesMasterIdLst>
   <p:handoutMasterIdLst>
-    <p:handoutMasterId r:id="rId12"/>
+    <p:handoutMasterId r:id="rId11"/>
   </p:handoutMasterIdLst>
   <p:sldIdLst>
     <p:sldId id="256" r:id="rId5"/>
@@ -16,7 +16,6 @@
     <p:sldId id="258" r:id="rId7"/>
     <p:sldId id="259" r:id="rId8"/>
     <p:sldId id="260" r:id="rId9"/>
-    <p:sldId id="263" r:id="rId10"/>
   </p:sldIdLst>
   <p:sldSz cx="12192000" cy="6858000"/>
   <p:notesSz cx="6858000" cy="9144000"/>
@@ -5462,14 +5461,7 @@
           </a:bodyPr>
           <a:lstStyle/>
           <a:p>
-            <a:pPr marL="285750" indent="-285750">
-              <a:buFont typeface="Arial" panose="020B0604020202020204" pitchFamily="34" charset="0"/>
-              <a:buChar char="•"/>
-            </a:pPr>
-            <a:r>
-              <a:rPr lang="en-US" dirty="0"/>
-              <a:t>Talk about the design process</a:t>
-            </a:r>
+            <a:endParaRPr lang="en-US" dirty="0"/>
           </a:p>
           <a:p>
             <a:pPr marL="742950" lvl="1" indent="-285750">
@@ -5478,9 +5470,12 @@
             </a:pPr>
             <a:r>
               <a:rPr lang="en-US" dirty="0" smtClean="0"/>
-              <a:t>I started with a mechanical model of an exoplanet revolving around the star with a light sensor inputting the values of brightness it read.</a:t>
-            </a:r>
-            <a:endParaRPr lang="en-US" dirty="0"/>
+              <a:t>I </a:t>
+            </a:r>
+            <a:r>
+              <a:rPr lang="en-US" dirty="0"/>
+              <a:t>started with a mechanical model of an exoplanet revolving around the star with a light sensor inputting the values of brightness it read.</a:t>
+            </a:r>
           </a:p>
           <a:p>
             <a:pPr marL="742950" lvl="1" indent="-285750">
@@ -5488,12 +5483,8 @@
               <a:buChar char="•"/>
             </a:pPr>
             <a:r>
-              <a:rPr lang="en-US" dirty="0" smtClean="0"/>
-              <a:t>After experimenting with the prototype, I created an algorithm which would measure th</a:t>
-            </a:r>
-            <a:r>
-              <a:rPr lang="en-US" dirty="0" smtClean="0"/>
-              <a:t>e periodicity of changes in dips of light and determine whether it was a planet or not</a:t>
+              <a:rPr lang="en-US" dirty="0"/>
+              <a:t>After experimenting with the prototype, I created an algorithm which would measure the periodicity of changes in dips of light and determine whether it was a planet or not</a:t>
             </a:r>
           </a:p>
           <a:p>
@@ -5502,54 +5493,15 @@
               <a:buChar char="•"/>
             </a:pPr>
             <a:r>
-              <a:rPr lang="en-US" dirty="0" smtClean="0"/>
+              <a:rPr lang="en-US" dirty="0"/>
               <a:t>It took several tries to perfect the algorithm and there is still scope of improvement</a:t>
             </a:r>
+          </a:p>
+          <a:p>
             <a:endParaRPr lang="en-US" dirty="0"/>
           </a:p>
-          <a:p>
-            <a:endParaRPr lang="en-US" dirty="0"/>
-          </a:p>
-          <a:p>
-            <a:endParaRPr lang="en-US" dirty="0"/>
-          </a:p>
-        </p:txBody>
-      </p:sp>
-      <p:pic>
-        <p:nvPicPr>
-          <p:cNvPr id="11" name="Content Placeholder 10" descr="hand writing out design plans">
-            <a:extLst>
-              <a:ext uri="{FF2B5EF4-FFF2-40B4-BE49-F238E27FC236}">
-                <a16:creationId xmlns:a16="http://schemas.microsoft.com/office/drawing/2014/main" xmlns="" id="{411EC077-041A-4D95-85EB-050BCDCD9071}"/>
-              </a:ext>
-            </a:extLst>
-          </p:cNvPr>
-          <p:cNvPicPr>
-            <a:picLocks noGrp="1" noChangeAspect="1"/>
-          </p:cNvPicPr>
-          <p:nvPr>
-            <p:ph idx="1"/>
-          </p:nvPr>
-        </p:nvPicPr>
-        <p:blipFill>
-          <a:blip r:embed="rId4" cstate="screen">
-            <a:extLst>
-              <a:ext uri="{28A0092B-C50C-407E-A947-70E740481C1C}">
-                <a14:useLocalDpi xmlns:a14="http://schemas.microsoft.com/office/drawing/2010/main"/>
-              </a:ext>
-            </a:extLst>
-          </a:blip>
-          <a:stretch>
-            <a:fillRect/>
-          </a:stretch>
-        </p:blipFill>
-        <p:spPr>
-          <a:xfrm>
-            <a:off x="5119291" y="1646238"/>
-            <a:ext cx="5760243" cy="3840162"/>
-          </a:xfrm>
-        </p:spPr>
-      </p:pic>
+        </p:txBody>
+      </p:sp>
       <p:sp>
         <p:nvSpPr>
           <p:cNvPr id="5" name="Content Placeholder 4">
@@ -5747,117 +5699,28 @@
                 <a:spcPts val="600"/>
               </a:spcBef>
             </a:pPr>
-            <a:r>
-              <a:rPr lang="en-US" sz="1400" dirty="0">
-                <a:ea typeface="Tahoma" panose="020B0604030504040204" pitchFamily="34" charset="0"/>
-                <a:cs typeface="Tahoma" panose="020B0604030504040204" pitchFamily="34" charset="0"/>
-              </a:rPr>
-              <a:t>&lt;Insert pictures or drawings of your invention design/building process&gt;</a:t>
-            </a:r>
-          </a:p>
-          <a:p>
-            <a:pPr algn="ctr">
-              <a:spcBef>
-                <a:spcPts val="600"/>
-              </a:spcBef>
-            </a:pPr>
-            <a:r>
-              <a:rPr lang="en-US" sz="1400" dirty="0">
-                <a:ea typeface="Tahoma" panose="020B0604030504040204" pitchFamily="34" charset="0"/>
-                <a:cs typeface="Tahoma" panose="020B0604030504040204" pitchFamily="34" charset="0"/>
-              </a:rPr>
-              <a:t>*you can insert a new slide for these pictures/drawings if you need to!</a:t>
-            </a:r>
-          </a:p>
-        </p:txBody>
-      </p:sp>
-    </p:spTree>
-    <p:extLst>
-      <p:ext uri="{BB962C8B-B14F-4D97-AF65-F5344CB8AC3E}">
-        <p14:creationId xmlns:p14="http://schemas.microsoft.com/office/powerpoint/2010/main" val="4164098364"/>
-      </p:ext>
-    </p:extLst>
-  </p:cSld>
-  <p:clrMapOvr>
-    <a:masterClrMapping/>
-  </p:clrMapOvr>
-</p:sld>
-</file>
-
-<file path=ppt/slides/slide6.xml><?xml version="1.0" encoding="utf-8"?>
-<p:sld xmlns:a="http://schemas.openxmlformats.org/drawingml/2006/main" xmlns:r="http://schemas.openxmlformats.org/officeDocument/2006/relationships" xmlns:p="http://schemas.openxmlformats.org/presentationml/2006/main">
-  <p:cSld>
-    <p:spTree>
-      <p:nvGrpSpPr>
-        <p:cNvPr id="1" name=""/>
-        <p:cNvGrpSpPr/>
-        <p:nvPr/>
-      </p:nvGrpSpPr>
-      <p:grpSpPr>
-        <a:xfrm>
-          <a:off x="0" y="0"/>
-          <a:ext cx="0" cy="0"/>
-          <a:chOff x="0" y="0"/>
-          <a:chExt cx="0" cy="0"/>
-        </a:xfrm>
-      </p:grpSpPr>
-      <p:sp>
-        <p:nvSpPr>
-          <p:cNvPr id="2" name="Title 1">
-            <a:extLst>
-              <a:ext uri="{FF2B5EF4-FFF2-40B4-BE49-F238E27FC236}">
-                <a16:creationId xmlns:a16="http://schemas.microsoft.com/office/drawing/2014/main" xmlns="" id="{4DFF222A-0050-42E6-8C3E-86E3C365C411}"/>
-              </a:ext>
-            </a:extLst>
-          </p:cNvPr>
-          <p:cNvSpPr>
-            <a:spLocks noGrp="1"/>
-          </p:cNvSpPr>
-          <p:nvPr>
-            <p:ph type="title"/>
-          </p:nvPr>
-        </p:nvSpPr>
-        <p:spPr>
-          <a:xfrm>
-            <a:off x="1290909" y="798974"/>
-            <a:ext cx="9610182" cy="601226"/>
-          </a:xfrm>
-        </p:spPr>
-        <p:txBody>
-          <a:bodyPr/>
-          <a:lstStyle/>
-          <a:p>
-            <a:r>
-              <a:rPr lang="en-US" dirty="0"/>
-              <a:t>My Invention in </a:t>
-            </a:r>
-            <a:r>
-              <a:rPr lang="en-US" dirty="0" smtClean="0"/>
-              <a:t>Use!</a:t>
-            </a:r>
-            <a:endParaRPr lang="en-US" dirty="0"/>
+            <a:endParaRPr lang="en-US" sz="1400" dirty="0">
+              <a:ea typeface="Tahoma" panose="020B0604030504040204" pitchFamily="34" charset="0"/>
+              <a:cs typeface="Tahoma" panose="020B0604030504040204" pitchFamily="34" charset="0"/>
+            </a:endParaRPr>
           </a:p>
         </p:txBody>
       </p:sp>
       <p:pic>
         <p:nvPicPr>
-          <p:cNvPr id="10" name="Graphic 9" descr="Star icon">
-            <a:extLst>
-              <a:ext uri="{FF2B5EF4-FFF2-40B4-BE49-F238E27FC236}">
-                <a16:creationId xmlns:a16="http://schemas.microsoft.com/office/drawing/2014/main" xmlns="" id="{F76D2371-447B-414B-9273-61F2CA39ACA2}"/>
-              </a:ext>
-            </a:extLst>
-          </p:cNvPr>
+          <p:cNvPr id="6" name="Content Placeholder 5"/>
           <p:cNvPicPr>
-            <a:picLocks noChangeAspect="1"/>
+            <a:picLocks noGrp="1" noChangeAspect="1"/>
           </p:cNvPicPr>
-          <p:nvPr/>
+          <p:nvPr>
+            <p:ph idx="1"/>
+          </p:nvPr>
         </p:nvPicPr>
         <p:blipFill>
-          <a:blip r:embed="rId2">
+          <a:blip r:embed="rId4">
             <a:extLst>
-              <a:ext uri="{96DAC541-7B7A-43D3-8B79-37D633B846F1}">
-                <asvg:svgBlip xmlns:asvg="http://schemas.microsoft.com/office/drawing/2016/SVG/main" xmlns="" r:embed="rId3"/>
+              <a:ext uri="{28A0092B-C50C-407E-A947-70E740481C1C}">
+                <a14:useLocalDpi xmlns:a14="http://schemas.microsoft.com/office/drawing/2010/main" val="0"/>
               </a:ext>
             </a:extLst>
           </a:blip>
@@ -5867,216 +5730,15 @@
         </p:blipFill>
         <p:spPr>
           <a:xfrm>
-            <a:off x="9897703" y="280289"/>
-            <a:ext cx="1044000" cy="1044000"/>
+            <a:off x="5119291" y="1646238"/>
+            <a:ext cx="5760243" cy="3840162"/>
           </a:xfrm>
-          <a:prstGeom prst="rect">
-            <a:avLst/>
-          </a:prstGeom>
         </p:spPr>
       </p:pic>
-      <p:sp>
-        <p:nvSpPr>
-          <p:cNvPr id="9" name="Text Placeholder 8">
-            <a:extLst>
-              <a:ext uri="{FF2B5EF4-FFF2-40B4-BE49-F238E27FC236}">
-                <a16:creationId xmlns:a16="http://schemas.microsoft.com/office/drawing/2014/main" xmlns="" id="{1BD5DDD4-B30F-43B5-9BA0-190CC29E9665}"/>
-              </a:ext>
-            </a:extLst>
-          </p:cNvPr>
-          <p:cNvSpPr>
-            <a:spLocks noGrp="1"/>
-          </p:cNvSpPr>
-          <p:nvPr>
-            <p:ph type="body" sz="quarter" idx="16"/>
-          </p:nvPr>
-        </p:nvSpPr>
-        <p:spPr/>
-        <p:txBody>
-          <a:bodyPr/>
-          <a:lstStyle/>
-          <a:p>
-            <a:pPr marL="914400" lvl="2" indent="0">
-              <a:buNone/>
-            </a:pPr>
-            <a:r>
-              <a:rPr lang="en-US" dirty="0" smtClean="0"/>
-              <a:t>Since I created the invention foe the purpose of the URJA Science Exhibition, this is the first time I am displaying it.</a:t>
-            </a:r>
-          </a:p>
-          <a:p>
-            <a:pPr marL="914400" lvl="2" indent="0">
-              <a:buNone/>
-            </a:pPr>
-            <a:r>
-              <a:rPr lang="en-US" dirty="0" smtClean="0"/>
-              <a:t>Here are some of the highlights of </a:t>
-            </a:r>
-            <a:r>
-              <a:rPr lang="en-US" smtClean="0"/>
-              <a:t>my journey:</a:t>
-            </a:r>
-            <a:endParaRPr lang="en-US" dirty="0"/>
-          </a:p>
-          <a:p>
-            <a:endParaRPr lang="en-US" dirty="0"/>
-          </a:p>
-        </p:txBody>
-      </p:sp>
-      <p:sp>
-        <p:nvSpPr>
-          <p:cNvPr id="8" name="Text Placeholder 7">
-            <a:extLst>
-              <a:ext uri="{FF2B5EF4-FFF2-40B4-BE49-F238E27FC236}">
-                <a16:creationId xmlns:a16="http://schemas.microsoft.com/office/drawing/2014/main" xmlns="" id="{477A6E10-A1AB-44F7-B196-12B4EE7B21E6}"/>
-              </a:ext>
-            </a:extLst>
-          </p:cNvPr>
-          <p:cNvSpPr>
-            <a:spLocks noGrp="1"/>
-          </p:cNvSpPr>
-          <p:nvPr>
-            <p:ph type="body" sz="half" idx="15"/>
-          </p:nvPr>
-        </p:nvSpPr>
-        <p:spPr/>
-        <p:txBody>
-          <a:bodyPr>
-            <a:normAutofit/>
-          </a:bodyPr>
-          <a:lstStyle/>
-          <a:p>
-            <a:r>
-              <a:rPr lang="en-US" dirty="0" smtClean="0"/>
-              <a:t>Starting from scratch</a:t>
-            </a:r>
-            <a:endParaRPr lang="en-US" dirty="0"/>
-          </a:p>
-        </p:txBody>
-      </p:sp>
-      <p:sp>
-        <p:nvSpPr>
-          <p:cNvPr id="7" name="Text Placeholder 6">
-            <a:extLst>
-              <a:ext uri="{FF2B5EF4-FFF2-40B4-BE49-F238E27FC236}">
-                <a16:creationId xmlns:a16="http://schemas.microsoft.com/office/drawing/2014/main" xmlns="" id="{B15ED6EF-4F9A-41A9-B336-BFC6782228DF}"/>
-              </a:ext>
-            </a:extLst>
-          </p:cNvPr>
-          <p:cNvSpPr>
-            <a:spLocks noGrp="1"/>
-          </p:cNvSpPr>
-          <p:nvPr>
-            <p:ph type="body" sz="half" idx="14"/>
-          </p:nvPr>
-        </p:nvSpPr>
-        <p:spPr/>
-        <p:txBody>
-          <a:bodyPr>
-            <a:normAutofit/>
-          </a:bodyPr>
-          <a:lstStyle/>
-          <a:p>
-            <a:r>
-              <a:rPr lang="en-US" dirty="0" smtClean="0"/>
-              <a:t>Work in progress</a:t>
-            </a:r>
-            <a:endParaRPr lang="en-US" dirty="0"/>
-          </a:p>
-        </p:txBody>
-      </p:sp>
-      <p:sp>
-        <p:nvSpPr>
-          <p:cNvPr id="4" name="Text Placeholder 3">
-            <a:extLst>
-              <a:ext uri="{FF2B5EF4-FFF2-40B4-BE49-F238E27FC236}">
-                <a16:creationId xmlns:a16="http://schemas.microsoft.com/office/drawing/2014/main" xmlns="" id="{4196946F-82A2-4DBD-98DD-DB5D7C5DF011}"/>
-              </a:ext>
-            </a:extLst>
-          </p:cNvPr>
-          <p:cNvSpPr>
-            <a:spLocks noGrp="1"/>
-          </p:cNvSpPr>
-          <p:nvPr>
-            <p:ph type="body" sz="half" idx="2"/>
-          </p:nvPr>
-        </p:nvSpPr>
-        <p:spPr/>
-        <p:txBody>
-          <a:bodyPr>
-            <a:normAutofit/>
-          </a:bodyPr>
-          <a:lstStyle/>
-          <a:p>
-            <a:r>
-              <a:rPr lang="en-US" dirty="0" smtClean="0"/>
-              <a:t>Final product</a:t>
-            </a:r>
-            <a:endParaRPr lang="en-US" dirty="0"/>
-          </a:p>
-        </p:txBody>
-      </p:sp>
-      <p:sp>
-        <p:nvSpPr>
-          <p:cNvPr id="3" name="Content Placeholder 2"/>
-          <p:cNvSpPr>
-            <a:spLocks noGrp="1"/>
-          </p:cNvSpPr>
-          <p:nvPr>
-            <p:ph idx="1"/>
-          </p:nvPr>
-        </p:nvSpPr>
-        <p:spPr/>
-        <p:txBody>
-          <a:bodyPr/>
-          <a:lstStyle/>
-          <a:p>
-            <a:endParaRPr lang="en-US"/>
-          </a:p>
-        </p:txBody>
-      </p:sp>
-      <p:sp>
-        <p:nvSpPr>
-          <p:cNvPr id="5" name="Content Placeholder 4"/>
-          <p:cNvSpPr>
-            <a:spLocks noGrp="1"/>
-          </p:cNvSpPr>
-          <p:nvPr>
-            <p:ph idx="12"/>
-          </p:nvPr>
-        </p:nvSpPr>
-        <p:spPr/>
-        <p:txBody>
-          <a:bodyPr/>
-          <a:lstStyle/>
-          <a:p>
-            <a:endParaRPr lang="en-US"/>
-          </a:p>
-        </p:txBody>
-      </p:sp>
-      <p:sp>
-        <p:nvSpPr>
-          <p:cNvPr id="6" name="Content Placeholder 5"/>
-          <p:cNvSpPr>
-            <a:spLocks noGrp="1"/>
-          </p:cNvSpPr>
-          <p:nvPr>
-            <p:ph idx="13"/>
-          </p:nvPr>
-        </p:nvSpPr>
-        <p:spPr/>
-        <p:txBody>
-          <a:bodyPr/>
-          <a:lstStyle/>
-          <a:p>
-            <a:endParaRPr lang="en-US"/>
-          </a:p>
-        </p:txBody>
-      </p:sp>
     </p:spTree>
     <p:extLst>
       <p:ext uri="{BB962C8B-B14F-4D97-AF65-F5344CB8AC3E}">
-        <p14:creationId xmlns:p14="http://schemas.microsoft.com/office/powerpoint/2010/main" val="2412294028"/>
+        <p14:creationId xmlns:p14="http://schemas.microsoft.com/office/powerpoint/2010/main" val="4164098364"/>
       </p:ext>
     </p:extLst>
   </p:cSld>
@@ -7152,16 +6814,16 @@
 <file path=customXml/itemProps1.xml><?xml version="1.0" encoding="utf-8"?>
 <ds:datastoreItem xmlns:ds="http://schemas.openxmlformats.org/officeDocument/2006/customXml" ds:itemID="{FA1DB373-C1A1-4924-9AF2-F04368201509}">
   <ds:schemaRefs>
-    <ds:schemaRef ds:uri="http://purl.org/dc/elements/1.1/"/>
+    <ds:schemaRef ds:uri="http://schemas.microsoft.com/office/infopath/2007/PartnerControls"/>
+    <ds:schemaRef ds:uri="http://purl.org/dc/terms/"/>
+    <ds:schemaRef ds:uri="http://schemas.microsoft.com/office/2006/documentManagement/types"/>
     <ds:schemaRef ds:uri="http://schemas.openxmlformats.org/package/2006/metadata/core-properties"/>
     <ds:schemaRef ds:uri="16c05727-aa75-4e4a-9b5f-8a80a1165891"/>
+    <ds:schemaRef ds:uri="71af3243-3dd4-4a8d-8c0d-dd76da1f02a5"/>
+    <ds:schemaRef ds:uri="http://purl.org/dc/elements/1.1/"/>
+    <ds:schemaRef ds:uri="http://schemas.microsoft.com/office/2006/metadata/properties"/>
+    <ds:schemaRef ds:uri="http://www.w3.org/XML/1998/namespace"/>
     <ds:schemaRef ds:uri="http://purl.org/dc/dcmitype/"/>
-    <ds:schemaRef ds:uri="http://schemas.microsoft.com/office/2006/documentManagement/types"/>
-    <ds:schemaRef ds:uri="http://schemas.microsoft.com/office/2006/metadata/properties"/>
-    <ds:schemaRef ds:uri="http://schemas.microsoft.com/office/infopath/2007/PartnerControls"/>
-    <ds:schemaRef ds:uri="71af3243-3dd4-4a8d-8c0d-dd76da1f02a5"/>
-    <ds:schemaRef ds:uri="http://www.w3.org/XML/1998/namespace"/>
-    <ds:schemaRef ds:uri="http://purl.org/dc/terms/"/>
   </ds:schemaRefs>
 </ds:datastoreItem>
 </file>
